--- a/LCC/Java/就業認證課程開班簡報-2022.6.29 Java程式開發 週三五.pptx
+++ b/LCC/Java/就業認證課程開班簡報-2022.6.29 Java程式開發 週三五.pptx
@@ -241,7 +241,7 @@
           <a:p>
             <a:fld id="{5906D774-52FA-4552-9278-8871F8D0D510}" type="datetimeFigureOut">
               <a:rPr lang="en-US" smtClean="0"/>
-              <a:t>7/22/2022</a:t>
+              <a:t>7/29/2022</a:t>
             </a:fld>
             <a:endParaRPr lang="en-US"/>
           </a:p>
@@ -418,7 +418,7 @@
           <a:p>
             <a:fld id="{DEE66C52-80BE-4770-9469-2B53534CDE0D}" type="datetimeFigureOut">
               <a:rPr lang="zh-CN" altLang="en-US" smtClean="0"/>
-              <a:t>2022/7/22</a:t>
+              <a:t>2022/7/29</a:t>
             </a:fld>
             <a:endParaRPr lang="zh-CN" altLang="en-US"/>
           </a:p>
@@ -928,7 +928,7 @@
           <a:p>
             <a:fld id="{C764DE79-268F-4C1A-8933-263129D2AF90}" type="datetimeFigureOut">
               <a:rPr lang="en-US" dirty="0"/>
-              <a:t>7/22/2022</a:t>
+              <a:t>7/29/2022</a:t>
             </a:fld>
             <a:endParaRPr lang="en-US" dirty="0"/>
           </a:p>
@@ -1138,7 +1138,7 @@
           <a:p>
             <a:fld id="{C764DE79-268F-4C1A-8933-263129D2AF90}" type="datetimeFigureOut">
               <a:rPr lang="en-US" dirty="0"/>
-              <a:t>7/22/2022</a:t>
+              <a:t>7/29/2022</a:t>
             </a:fld>
             <a:endParaRPr lang="en-US" dirty="0"/>
           </a:p>
@@ -1348,7 +1348,7 @@
           <a:p>
             <a:fld id="{C764DE79-268F-4C1A-8933-263129D2AF90}" type="datetimeFigureOut">
               <a:rPr lang="en-US" dirty="0"/>
-              <a:t>7/22/2022</a:t>
+              <a:t>7/29/2022</a:t>
             </a:fld>
             <a:endParaRPr lang="en-US" dirty="0"/>
           </a:p>
@@ -2495,7 +2495,7 @@
                 </a:solidFill>
               </a:rPr>
               <a:pPr defTabSz="914400"/>
-              <a:t>2022/7/22</a:t>
+              <a:t>2022/7/29</a:t>
             </a:fld>
             <a:endParaRPr lang="zh-CN" altLang="en-US">
               <a:solidFill>
@@ -2736,7 +2736,7 @@
           <a:p>
             <a:fld id="{C764DE79-268F-4C1A-8933-263129D2AF90}" type="datetimeFigureOut">
               <a:rPr lang="en-US" dirty="0"/>
-              <a:t>7/22/2022</a:t>
+              <a:t>7/29/2022</a:t>
             </a:fld>
             <a:endParaRPr lang="en-US" dirty="0"/>
           </a:p>
@@ -2950,7 +2950,7 @@
                 </a:solidFill>
               </a:rPr>
               <a:pPr defTabSz="914400"/>
-              <a:t>2022/7/22</a:t>
+              <a:t>2022/7/29</a:t>
             </a:fld>
             <a:endParaRPr lang="zh-CN" altLang="en-US">
               <a:solidFill>
@@ -3209,7 +3209,7 @@
           <a:p>
             <a:fld id="{C764DE79-268F-4C1A-8933-263129D2AF90}" type="datetimeFigureOut">
               <a:rPr lang="en-US" dirty="0"/>
-              <a:t>7/22/2022</a:t>
+              <a:t>7/29/2022</a:t>
             </a:fld>
             <a:endParaRPr lang="en-US" dirty="0"/>
           </a:p>
@@ -3485,7 +3485,7 @@
           <a:p>
             <a:fld id="{C764DE79-268F-4C1A-8933-263129D2AF90}" type="datetimeFigureOut">
               <a:rPr lang="en-US" dirty="0"/>
-              <a:t>7/22/2022</a:t>
+              <a:t>7/29/2022</a:t>
             </a:fld>
             <a:endParaRPr lang="en-US" dirty="0"/>
           </a:p>
@@ -3755,7 +3755,7 @@
           <a:p>
             <a:fld id="{C764DE79-268F-4C1A-8933-263129D2AF90}" type="datetimeFigureOut">
               <a:rPr lang="en-US" dirty="0"/>
-              <a:t>7/22/2022</a:t>
+              <a:t>7/29/2022</a:t>
             </a:fld>
             <a:endParaRPr lang="en-US" dirty="0"/>
           </a:p>
@@ -4161,7 +4161,7 @@
           <a:p>
             <a:fld id="{C764DE79-268F-4C1A-8933-263129D2AF90}" type="datetimeFigureOut">
               <a:rPr lang="en-US" dirty="0"/>
-              <a:t>7/22/2022</a:t>
+              <a:t>7/29/2022</a:t>
             </a:fld>
             <a:endParaRPr lang="en-US" dirty="0"/>
           </a:p>
@@ -4411,7 +4411,7 @@
           <a:p>
             <a:fld id="{C764DE79-268F-4C1A-8933-263129D2AF90}" type="datetimeFigureOut">
               <a:rPr lang="en-US" dirty="0"/>
-              <a:t>7/22/2022</a:t>
+              <a:t>7/29/2022</a:t>
             </a:fld>
             <a:endParaRPr lang="en-US" dirty="0"/>
           </a:p>
@@ -4530,7 +4530,7 @@
           <a:p>
             <a:fld id="{C764DE79-268F-4C1A-8933-263129D2AF90}" type="datetimeFigureOut">
               <a:rPr lang="en-US" dirty="0"/>
-              <a:t>7/22/2022</a:t>
+              <a:t>7/29/2022</a:t>
             </a:fld>
             <a:endParaRPr lang="en-US" dirty="0"/>
           </a:p>
@@ -4840,7 +4840,7 @@
           <a:p>
             <a:fld id="{C764DE79-268F-4C1A-8933-263129D2AF90}" type="datetimeFigureOut">
               <a:rPr lang="en-US" dirty="0"/>
-              <a:t>7/22/2022</a:t>
+              <a:t>7/29/2022</a:t>
             </a:fld>
             <a:endParaRPr lang="en-US" dirty="0"/>
           </a:p>
@@ -6035,7 +6035,7 @@
                 <a:cs typeface="+mn-ea"/>
                 <a:sym typeface="+mn-lt"/>
               </a:rPr>
-              <a:t>22</a:t>
+              <a:t>29</a:t>
             </a:r>
             <a:r>
               <a:rPr lang="zh-TW" altLang="en-US" sz="2000" b="1" spc="300" dirty="0" smtClean="0">
@@ -6077,13 +6077,6 @@
               </a:rPr>
               <a:t>)</a:t>
             </a:r>
-            <a:endParaRPr lang="en-US" altLang="zh-TW" sz="2000" spc="300" dirty="0" smtClean="0">
-              <a:solidFill>
-                <a:schemeClr val="bg1"/>
-              </a:solidFill>
-              <a:cs typeface="+mn-ea"/>
-              <a:sym typeface="+mn-lt"/>
-            </a:endParaRPr>
           </a:p>
           <a:p>
             <a:pPr algn="ctr"/>
@@ -9890,7 +9883,7 @@
           <p:nvPr>
             <p:extLst>
               <p:ext uri="{D42A27DB-BD31-4B8C-83A1-F6EECF244321}">
-                <p14:modId xmlns:p14="http://schemas.microsoft.com/office/powerpoint/2010/main" val="1540142492"/>
+                <p14:modId xmlns:p14="http://schemas.microsoft.com/office/powerpoint/2010/main" val="2763470920"/>
               </p:ext>
             </p:extLst>
           </p:nvPr>
@@ -10319,7 +10312,7 @@
                       </a:r>
                       <a:r>
                         <a:rPr lang="en-US" altLang="zh-TW" sz="1200" dirty="0" smtClean="0"/>
-                        <a:t>1</a:t>
+                        <a:t>13</a:t>
                       </a:r>
                       <a:r>
                         <a:rPr lang="zh-TW" altLang="en-US" sz="1200" dirty="0" smtClean="0"/>
@@ -10373,6 +10366,9 @@
                       <a:noFill/>
                       <a:prstDash val="solid"/>
                     </a:lnBlToTr>
+                    <a:solidFill>
+                      <a:srgbClr val="C9F5F1"/>
+                    </a:solidFill>
                   </a:tcPr>
                 </a:tc>
                 <a:tc>
@@ -10387,7 +10383,7 @@
                       </a:r>
                       <a:r>
                         <a:rPr lang="en-US" altLang="zh-TW" sz="1200" dirty="0" smtClean="0"/>
-                        <a:t>2</a:t>
+                        <a:t>14</a:t>
                       </a:r>
                       <a:r>
                         <a:rPr lang="zh-TW" altLang="en-US" sz="1200" dirty="0" smtClean="0"/>
@@ -10441,6 +10437,9 @@
                       <a:noFill/>
                       <a:prstDash val="solid"/>
                     </a:lnBlToTr>
+                    <a:solidFill>
+                      <a:srgbClr val="C9F5F1"/>
+                    </a:solidFill>
                   </a:tcPr>
                 </a:tc>
                 <a:tc>
@@ -10455,7 +10454,7 @@
                       </a:r>
                       <a:r>
                         <a:rPr lang="en-US" altLang="zh-TW" sz="1200" dirty="0" smtClean="0"/>
-                        <a:t>3</a:t>
+                        <a:t>15</a:t>
                       </a:r>
                       <a:r>
                         <a:rPr lang="zh-TW" altLang="en-US" sz="1200" dirty="0" smtClean="0"/>
@@ -10509,6 +10508,9 @@
                       <a:noFill/>
                       <a:prstDash val="solid"/>
                     </a:lnBlToTr>
+                    <a:solidFill>
+                      <a:srgbClr val="C9F5F1"/>
+                    </a:solidFill>
                   </a:tcPr>
                 </a:tc>
                 <a:tc>
@@ -10523,7 +10525,7 @@
                       </a:r>
                       <a:r>
                         <a:rPr lang="en-US" altLang="zh-TW" sz="1200" dirty="0" smtClean="0"/>
-                        <a:t>4</a:t>
+                        <a:t>16</a:t>
                       </a:r>
                       <a:r>
                         <a:rPr lang="zh-TW" altLang="en-US" sz="1200" dirty="0" smtClean="0"/>
@@ -10577,6 +10579,9 @@
                       <a:noFill/>
                       <a:prstDash val="solid"/>
                     </a:lnBlToTr>
+                    <a:solidFill>
+                      <a:srgbClr val="C9F5F1"/>
+                    </a:solidFill>
                   </a:tcPr>
                 </a:tc>
                 <a:tc>
@@ -10591,7 +10596,7 @@
                       </a:r>
                       <a:r>
                         <a:rPr lang="en-US" altLang="zh-TW" sz="1200" dirty="0" smtClean="0"/>
-                        <a:t>5</a:t>
+                        <a:t>17</a:t>
                       </a:r>
                       <a:r>
                         <a:rPr lang="zh-TW" altLang="en-US" sz="1200" dirty="0" smtClean="0"/>
@@ -10645,6 +10650,9 @@
                       <a:noFill/>
                       <a:prstDash val="solid"/>
                     </a:lnBlToTr>
+                    <a:solidFill>
+                      <a:srgbClr val="C9F5F1"/>
+                    </a:solidFill>
                   </a:tcPr>
                 </a:tc>
                 <a:tc>
@@ -10659,7 +10667,7 @@
                       </a:r>
                       <a:r>
                         <a:rPr lang="en-US" altLang="zh-TW" sz="1200" dirty="0" smtClean="0"/>
-                        <a:t>6</a:t>
+                        <a:t>18</a:t>
                       </a:r>
                       <a:r>
                         <a:rPr lang="zh-TW" altLang="en-US" sz="1200" dirty="0" smtClean="0"/>
@@ -10713,6 +10721,9 @@
                       <a:noFill/>
                       <a:prstDash val="solid"/>
                     </a:lnBlToTr>
+                    <a:solidFill>
+                      <a:srgbClr val="C9F5F1"/>
+                    </a:solidFill>
                   </a:tcPr>
                 </a:tc>
                 <a:tc>
@@ -10727,7 +10738,7 @@
                       </a:r>
                       <a:r>
                         <a:rPr lang="en-US" altLang="zh-TW" sz="1200" dirty="0" smtClean="0"/>
-                        <a:t>7</a:t>
+                        <a:t>19</a:t>
                       </a:r>
                       <a:r>
                         <a:rPr lang="zh-TW" altLang="en-US" sz="1200" dirty="0" smtClean="0"/>
@@ -10781,6 +10792,9 @@
                       <a:noFill/>
                       <a:prstDash val="solid"/>
                     </a:lnBlToTr>
+                    <a:solidFill>
+                      <a:srgbClr val="C9F5F1"/>
+                    </a:solidFill>
                   </a:tcPr>
                 </a:tc>
                 <a:tc>
@@ -10795,7 +10809,7 @@
                       </a:r>
                       <a:r>
                         <a:rPr lang="en-US" altLang="zh-TW" sz="1200" dirty="0" smtClean="0"/>
-                        <a:t>8</a:t>
+                        <a:t>20</a:t>
                       </a:r>
                       <a:r>
                         <a:rPr lang="zh-TW" altLang="en-US" sz="1200" dirty="0" smtClean="0"/>
@@ -10849,6 +10863,9 @@
                       <a:noFill/>
                       <a:prstDash val="solid"/>
                     </a:lnBlToTr>
+                    <a:solidFill>
+                      <a:srgbClr val="C9F5F1"/>
+                    </a:solidFill>
                   </a:tcPr>
                 </a:tc>
                 <a:tc>
@@ -11228,7 +11245,7 @@
                       <a:pPr algn="ctr"/>
                       <a:r>
                         <a:rPr lang="en-US" altLang="zh-TW" sz="1200" dirty="0" smtClean="0"/>
-                        <a:t>6/29</a:t>
+                        <a:t>8/10</a:t>
                       </a:r>
                       <a:endParaRPr lang="zh-TW" altLang="en-US" sz="1200" dirty="0"/>
                     </a:p>
@@ -11278,6 +11295,9 @@
                       <a:noFill/>
                       <a:prstDash val="solid"/>
                     </a:lnBlToTr>
+                    <a:solidFill>
+                      <a:srgbClr val="E8F8F8"/>
+                    </a:solidFill>
                   </a:tcPr>
                 </a:tc>
                 <a:tc>
@@ -11288,7 +11308,7 @@
                       <a:pPr algn="ctr"/>
                       <a:r>
                         <a:rPr lang="en-US" altLang="zh-TW" sz="1200" dirty="0" smtClean="0"/>
-                        <a:t>7/1</a:t>
+                        <a:t>8/12</a:t>
                       </a:r>
                       <a:endParaRPr lang="zh-TW" altLang="en-US" sz="1200" dirty="0"/>
                     </a:p>
@@ -11338,6 +11358,9 @@
                       <a:noFill/>
                       <a:prstDash val="solid"/>
                     </a:lnBlToTr>
+                    <a:solidFill>
+                      <a:srgbClr val="E8F8F8"/>
+                    </a:solidFill>
                   </a:tcPr>
                 </a:tc>
                 <a:tc>
@@ -11348,7 +11371,7 @@
                       <a:pPr algn="ctr"/>
                       <a:r>
                         <a:rPr lang="en-US" altLang="zh-TW" sz="1200" dirty="0" smtClean="0"/>
-                        <a:t>7/6</a:t>
+                        <a:t>8/17</a:t>
                       </a:r>
                       <a:endParaRPr lang="zh-TW" altLang="en-US" sz="1200" dirty="0"/>
                     </a:p>
@@ -11398,6 +11421,9 @@
                       <a:noFill/>
                       <a:prstDash val="solid"/>
                     </a:lnBlToTr>
+                    <a:solidFill>
+                      <a:srgbClr val="E8F8F8"/>
+                    </a:solidFill>
                   </a:tcPr>
                 </a:tc>
                 <a:tc>
@@ -11408,7 +11434,7 @@
                       <a:pPr algn="ctr"/>
                       <a:r>
                         <a:rPr lang="en-US" altLang="zh-TW" sz="1200" dirty="0" smtClean="0"/>
-                        <a:t>7/8</a:t>
+                        <a:t>8/19</a:t>
                       </a:r>
                       <a:endParaRPr lang="zh-TW" altLang="en-US" sz="1200" dirty="0"/>
                     </a:p>
@@ -11458,6 +11484,9 @@
                       <a:noFill/>
                       <a:prstDash val="solid"/>
                     </a:lnBlToTr>
+                    <a:solidFill>
+                      <a:srgbClr val="E8F8F8"/>
+                    </a:solidFill>
                   </a:tcPr>
                 </a:tc>
                 <a:tc>
@@ -11468,7 +11497,7 @@
                       <a:pPr algn="ctr"/>
                       <a:r>
                         <a:rPr lang="en-US" altLang="zh-TW" sz="1200" dirty="0" smtClean="0"/>
-                        <a:t>7/13</a:t>
+                        <a:t>8/24</a:t>
                       </a:r>
                       <a:endParaRPr lang="zh-TW" altLang="en-US" sz="1200" dirty="0"/>
                     </a:p>
@@ -11518,6 +11547,9 @@
                       <a:noFill/>
                       <a:prstDash val="solid"/>
                     </a:lnBlToTr>
+                    <a:solidFill>
+                      <a:srgbClr val="E8F8F8"/>
+                    </a:solidFill>
                   </a:tcPr>
                 </a:tc>
                 <a:tc>
@@ -11528,7 +11560,7 @@
                       <a:pPr algn="ctr"/>
                       <a:r>
                         <a:rPr lang="en-US" altLang="zh-TW" sz="1200" dirty="0" smtClean="0"/>
-                        <a:t>7/15</a:t>
+                        <a:t>8/26</a:t>
                       </a:r>
                       <a:endParaRPr lang="zh-TW" altLang="en-US" sz="1200" dirty="0"/>
                     </a:p>
@@ -11578,6 +11610,9 @@
                       <a:noFill/>
                       <a:prstDash val="solid"/>
                     </a:lnBlToTr>
+                    <a:solidFill>
+                      <a:srgbClr val="E8F8F8"/>
+                    </a:solidFill>
                   </a:tcPr>
                 </a:tc>
                 <a:tc>
@@ -11588,7 +11623,7 @@
                       <a:pPr algn="ctr"/>
                       <a:r>
                         <a:rPr lang="en-US" altLang="zh-TW" sz="1200" dirty="0" smtClean="0"/>
-                        <a:t>7/20</a:t>
+                        <a:t>8/31</a:t>
                       </a:r>
                       <a:endParaRPr lang="zh-TW" altLang="en-US" sz="1200" dirty="0"/>
                     </a:p>
@@ -11638,6 +11673,9 @@
                       <a:noFill/>
                       <a:prstDash val="solid"/>
                     </a:lnBlToTr>
+                    <a:solidFill>
+                      <a:srgbClr val="E8F8F8"/>
+                    </a:solidFill>
                   </a:tcPr>
                 </a:tc>
                 <a:tc>
@@ -11648,7 +11686,7 @@
                       <a:pPr algn="ctr"/>
                       <a:r>
                         <a:rPr lang="en-US" altLang="zh-TW" sz="1200" dirty="0" smtClean="0"/>
-                        <a:t>7/22</a:t>
+                        <a:t>9/2</a:t>
                       </a:r>
                       <a:endParaRPr lang="zh-TW" altLang="en-US" sz="1200" dirty="0"/>
                     </a:p>
@@ -11698,6 +11736,9 @@
                       <a:noFill/>
                       <a:prstDash val="solid"/>
                     </a:lnBlToTr>
+                    <a:solidFill>
+                      <a:srgbClr val="E8F8F8"/>
+                    </a:solidFill>
                   </a:tcPr>
                 </a:tc>
                 <a:tc>
@@ -13663,7 +13704,7 @@
         </p:nvSpPr>
         <p:spPr>
           <a:xfrm>
-            <a:off x="5492606" y="1656354"/>
+            <a:off x="6839006" y="1656354"/>
             <a:ext cx="662400" cy="946688"/>
           </a:xfrm>
           <a:prstGeom prst="rect">
